--- a/basics/SpecialMemberFunctionsInC++.pptx
+++ b/basics/SpecialMemberFunctionsInC++.pptx
@@ -6966,8 +6966,8 @@
         </p:nvSpPr>
         <p:spPr>
           <a:xfrm>
-            <a:off x="2361063" y="1194179"/>
-            <a:ext cx="7110483" cy="646331"/>
+            <a:off x="2384608" y="1126575"/>
+            <a:ext cx="7110483" cy="1015663"/>
           </a:xfrm>
           <a:prstGeom prst="rect">
             <a:avLst/>
@@ -7044,6 +7044,34 @@
               <a:rPr lang="en-US" sz="1200" dirty="0"/>
               <a:t> operations are usually not declared and have more complex dependencies.  </a:t>
             </a:r>
+          </a:p>
+          <a:p>
+            <a:endParaRPr lang="en-US" sz="1200" dirty="0"/>
+          </a:p>
+          <a:p>
+            <a:r>
+              <a:rPr lang="en-US" sz="1200" i="1" dirty="0"/>
+              <a:t>Note</a:t>
+            </a:r>
+            <a:r>
+              <a:rPr lang="en-US" sz="1200" dirty="0"/>
+              <a:t>: we should thank </a:t>
+            </a:r>
+            <a:r>
+              <a:rPr lang="en-US" sz="1200" dirty="0">
+                <a:hlinkClick r:id="rId2"/>
+              </a:rPr>
+              <a:t>Howard Hinnant</a:t>
+            </a:r>
+            <a:r>
+              <a:rPr lang="en-US" sz="1200" dirty="0"/>
+              <a:t> for this well </a:t>
+            </a:r>
+            <a:r>
+              <a:rPr lang="en-US" sz="1200"/>
+              <a:t>designed table.</a:t>
+            </a:r>
+            <a:endParaRPr lang="en-US" sz="1200" dirty="0"/>
           </a:p>
         </p:txBody>
       </p:sp>

--- a/basics/SpecialMemberFunctionsInC++.pptx
+++ b/basics/SpecialMemberFunctionsInC++.pptx
@@ -7065,11 +7065,11 @@
             </a:r>
             <a:r>
               <a:rPr lang="en-US" sz="1200" dirty="0"/>
-              <a:t> for this well </a:t>
+              <a:t> for this </a:t>
             </a:r>
             <a:r>
               <a:rPr lang="en-US" sz="1200"/>
-              <a:t>designed table.</a:t>
+              <a:t>carefully designed table.</a:t>
             </a:r>
             <a:endParaRPr lang="en-US" sz="1200" dirty="0"/>
           </a:p>
